--- a/Software Engineering.pptx
+++ b/Software Engineering.pptx
@@ -15,9 +15,7 @@
     <p:sldId id="266" r:id="rId9"/>
     <p:sldId id="265" r:id="rId10"/>
     <p:sldId id="268" r:id="rId11"/>
-    <p:sldId id="261" r:id="rId12"/>
-    <p:sldId id="262" r:id="rId13"/>
-    <p:sldId id="263" r:id="rId14"/>
+    <p:sldId id="263" r:id="rId12"/>
   </p:sldIdLst>
   <p:sldSz cx="12192000" cy="6858000"/>
   <p:notesSz cx="6858000" cy="9144000"/>
@@ -116,6 +114,11 @@
       </a:defRPr>
     </a:lvl9pPr>
   </p:defaultTextStyle>
+  <p:extLst>
+    <p:ext uri="{EFAFB233-063F-42B5-8137-9DF3F51BA10A}">
+      <p15:sldGuideLst xmlns:p15="http://schemas.microsoft.com/office/powerpoint/2012/main"/>
+    </p:ext>
+  </p:extLst>
 </p:presentation>
 </file>
 
@@ -268,7 +271,7 @@
           <a:p>
             <a:fld id="{686604A7-8734-4D55-AB60-4DCEF95B5041}" type="datetimeFigureOut">
               <a:rPr lang="en-IN" smtClean="0"/>
-              <a:t>16-12-2023</a:t>
+              <a:t>21-01-2024</a:t>
             </a:fld>
             <a:endParaRPr lang="en-IN"/>
           </a:p>
@@ -468,7 +471,7 @@
           <a:p>
             <a:fld id="{686604A7-8734-4D55-AB60-4DCEF95B5041}" type="datetimeFigureOut">
               <a:rPr lang="en-IN" smtClean="0"/>
-              <a:t>16-12-2023</a:t>
+              <a:t>21-01-2024</a:t>
             </a:fld>
             <a:endParaRPr lang="en-IN"/>
           </a:p>
@@ -678,7 +681,7 @@
           <a:p>
             <a:fld id="{686604A7-8734-4D55-AB60-4DCEF95B5041}" type="datetimeFigureOut">
               <a:rPr lang="en-IN" smtClean="0"/>
-              <a:t>16-12-2023</a:t>
+              <a:t>21-01-2024</a:t>
             </a:fld>
             <a:endParaRPr lang="en-IN"/>
           </a:p>
@@ -878,7 +881,7 @@
           <a:p>
             <a:fld id="{686604A7-8734-4D55-AB60-4DCEF95B5041}" type="datetimeFigureOut">
               <a:rPr lang="en-IN" smtClean="0"/>
-              <a:t>16-12-2023</a:t>
+              <a:t>21-01-2024</a:t>
             </a:fld>
             <a:endParaRPr lang="en-IN"/>
           </a:p>
@@ -1154,7 +1157,7 @@
           <a:p>
             <a:fld id="{686604A7-8734-4D55-AB60-4DCEF95B5041}" type="datetimeFigureOut">
               <a:rPr lang="en-IN" smtClean="0"/>
-              <a:t>16-12-2023</a:t>
+              <a:t>21-01-2024</a:t>
             </a:fld>
             <a:endParaRPr lang="en-IN"/>
           </a:p>
@@ -1422,7 +1425,7 @@
           <a:p>
             <a:fld id="{686604A7-8734-4D55-AB60-4DCEF95B5041}" type="datetimeFigureOut">
               <a:rPr lang="en-IN" smtClean="0"/>
-              <a:t>16-12-2023</a:t>
+              <a:t>21-01-2024</a:t>
             </a:fld>
             <a:endParaRPr lang="en-IN"/>
           </a:p>
@@ -1837,7 +1840,7 @@
           <a:p>
             <a:fld id="{686604A7-8734-4D55-AB60-4DCEF95B5041}" type="datetimeFigureOut">
               <a:rPr lang="en-IN" smtClean="0"/>
-              <a:t>16-12-2023</a:t>
+              <a:t>21-01-2024</a:t>
             </a:fld>
             <a:endParaRPr lang="en-IN"/>
           </a:p>
@@ -1979,7 +1982,7 @@
           <a:p>
             <a:fld id="{686604A7-8734-4D55-AB60-4DCEF95B5041}" type="datetimeFigureOut">
               <a:rPr lang="en-IN" smtClean="0"/>
-              <a:t>16-12-2023</a:t>
+              <a:t>21-01-2024</a:t>
             </a:fld>
             <a:endParaRPr lang="en-IN"/>
           </a:p>
@@ -2092,7 +2095,7 @@
           <a:p>
             <a:fld id="{686604A7-8734-4D55-AB60-4DCEF95B5041}" type="datetimeFigureOut">
               <a:rPr lang="en-IN" smtClean="0"/>
-              <a:t>16-12-2023</a:t>
+              <a:t>21-01-2024</a:t>
             </a:fld>
             <a:endParaRPr lang="en-IN"/>
           </a:p>
@@ -2405,7 +2408,7 @@
           <a:p>
             <a:fld id="{686604A7-8734-4D55-AB60-4DCEF95B5041}" type="datetimeFigureOut">
               <a:rPr lang="en-IN" smtClean="0"/>
-              <a:t>16-12-2023</a:t>
+              <a:t>21-01-2024</a:t>
             </a:fld>
             <a:endParaRPr lang="en-IN"/>
           </a:p>
@@ -2694,7 +2697,7 @@
           <a:p>
             <a:fld id="{686604A7-8734-4D55-AB60-4DCEF95B5041}" type="datetimeFigureOut">
               <a:rPr lang="en-IN" smtClean="0"/>
-              <a:t>16-12-2023</a:t>
+              <a:t>21-01-2024</a:t>
             </a:fld>
             <a:endParaRPr lang="en-IN"/>
           </a:p>
@@ -2937,7 +2940,7 @@
           <a:p>
             <a:fld id="{686604A7-8734-4D55-AB60-4DCEF95B5041}" type="datetimeFigureOut">
               <a:rPr lang="en-IN" smtClean="0"/>
-              <a:t>16-12-2023</a:t>
+              <a:t>21-01-2024</a:t>
             </a:fld>
             <a:endParaRPr lang="en-IN"/>
           </a:p>
@@ -3532,66 +3535,41 @@
           <a:chExt cx="0" cy="0"/>
         </a:xfrm>
       </p:grpSpPr>
-    </p:spTree>
-    <p:extLst>
-      <p:ext uri="{BB962C8B-B14F-4D97-AF65-F5344CB8AC3E}">
-        <p14:creationId xmlns:p14="http://schemas.microsoft.com/office/powerpoint/2010/main" val="3499014488"/>
-      </p:ext>
-    </p:extLst>
-  </p:cSld>
-  <p:clrMapOvr>
-    <a:masterClrMapping/>
-  </p:clrMapOvr>
-</p:sld>
-</file>
-
-<file path=ppt/slides/slide12.xml><?xml version="1.0" encoding="utf-8"?>
-<p:sld xmlns:a="http://schemas.openxmlformats.org/drawingml/2006/main" xmlns:r="http://schemas.openxmlformats.org/officeDocument/2006/relationships" xmlns:p="http://schemas.openxmlformats.org/presentationml/2006/main">
-  <p:cSld>
-    <p:spTree>
-      <p:nvGrpSpPr>
-        <p:cNvPr id="1" name=""/>
-        <p:cNvGrpSpPr/>
-        <p:nvPr/>
-      </p:nvGrpSpPr>
-      <p:grpSpPr>
-        <a:xfrm>
-          <a:off x="0" y="0"/>
-          <a:ext cx="0" cy="0"/>
-          <a:chOff x="0" y="0"/>
-          <a:chExt cx="0" cy="0"/>
-        </a:xfrm>
-      </p:grpSpPr>
-    </p:spTree>
-    <p:extLst>
-      <p:ext uri="{BB962C8B-B14F-4D97-AF65-F5344CB8AC3E}">
-        <p14:creationId xmlns:p14="http://schemas.microsoft.com/office/powerpoint/2010/main" val="2654310323"/>
-      </p:ext>
-    </p:extLst>
-  </p:cSld>
-  <p:clrMapOvr>
-    <a:masterClrMapping/>
-  </p:clrMapOvr>
-</p:sld>
-</file>
-
-<file path=ppt/slides/slide13.xml><?xml version="1.0" encoding="utf-8"?>
-<p:sld xmlns:a="http://schemas.openxmlformats.org/drawingml/2006/main" xmlns:r="http://schemas.openxmlformats.org/officeDocument/2006/relationships" xmlns:p="http://schemas.openxmlformats.org/presentationml/2006/main">
-  <p:cSld>
-    <p:spTree>
-      <p:nvGrpSpPr>
-        <p:cNvPr id="1" name=""/>
-        <p:cNvGrpSpPr/>
-        <p:nvPr/>
-      </p:nvGrpSpPr>
-      <p:grpSpPr>
-        <a:xfrm>
-          <a:off x="0" y="0"/>
-          <a:ext cx="0" cy="0"/>
-          <a:chOff x="0" y="0"/>
-          <a:chExt cx="0" cy="0"/>
-        </a:xfrm>
-      </p:grpSpPr>
+      <p:sp>
+        <p:nvSpPr>
+          <p:cNvPr id="2" name="TextBox 1">
+            <a:extLst>
+              <a:ext uri="{FF2B5EF4-FFF2-40B4-BE49-F238E27FC236}">
+                <a16:creationId xmlns:a16="http://schemas.microsoft.com/office/drawing/2014/main" id="{0F029E4A-2200-DBAA-1B11-9C7330E144D1}"/>
+              </a:ext>
+            </a:extLst>
+          </p:cNvPr>
+          <p:cNvSpPr txBox="1"/>
+          <p:nvPr/>
+        </p:nvSpPr>
+        <p:spPr>
+          <a:xfrm>
+            <a:off x="4414684" y="3013501"/>
+            <a:ext cx="3569110" cy="830997"/>
+          </a:xfrm>
+          <a:prstGeom prst="rect">
+            <a:avLst/>
+          </a:prstGeom>
+          <a:noFill/>
+        </p:spPr>
+        <p:txBody>
+          <a:bodyPr wrap="square" rtlCol="0">
+            <a:spAutoFit/>
+          </a:bodyPr>
+          <a:lstStyle/>
+          <a:p>
+            <a:r>
+              <a:rPr lang="en-IN" sz="4800" dirty="0"/>
+              <a:t>Thank You!</a:t>
+            </a:r>
+          </a:p>
+        </p:txBody>
+      </p:sp>
     </p:spTree>
     <p:extLst>
       <p:ext uri="{BB962C8B-B14F-4D97-AF65-F5344CB8AC3E}">
@@ -4356,7 +4334,7 @@
         </p:nvSpPr>
         <p:spPr>
           <a:xfrm>
-            <a:off x="367624" y="1955659"/>
+            <a:off x="367624" y="854446"/>
             <a:ext cx="11223287" cy="1569660"/>
           </a:xfrm>
           <a:prstGeom prst="rect">
@@ -4409,7 +4387,7 @@
         </p:nvSpPr>
         <p:spPr>
           <a:xfrm>
-            <a:off x="367624" y="4190868"/>
+            <a:off x="367624" y="3325629"/>
             <a:ext cx="11116282" cy="1569660"/>
           </a:xfrm>
           <a:prstGeom prst="rect">
